--- a/Day1-IntroToSpark/Ch00-Introduction.pptx
+++ b/Day1-IntroToSpark/Ch00-Introduction.pptx
@@ -6584,11 +6584,7 @@
               <a:buNone/>
             </a:pPr>
             <a:r>
-              <a:rPr lang="en-US" dirty="0">
-                <a:highlight>
-                  <a:srgbClr val="FFFF00"/>
-                </a:highlight>
-              </a:rPr>
+              <a:rPr lang="en-US" dirty="0"/>
               <a:t>In this course, we will:</a:t>
             </a:r>
           </a:p>
@@ -6601,13 +6597,13 @@
           <a:p>
             <a:r>
               <a:rPr lang="en-US" dirty="0"/>
-              <a:t>Compare processing distributed data with MapReduce vs Spark</a:t>
+              <a:t>Compare processing distributed data with MapReduce vs. Spark</a:t>
             </a:r>
           </a:p>
           <a:p>
             <a:r>
               <a:rPr lang="en-US" dirty="0"/>
-              <a:t>Learn how to use Python to create Spark programs that use RDD's and </a:t>
+              <a:t>Learn how to use Python to create Spark programs that use RDDs and </a:t>
             </a:r>
             <a:r>
               <a:rPr lang="en-US" dirty="0" err="1"/>
@@ -6621,7 +6617,7 @@
           <a:p>
             <a:r>
               <a:rPr lang="en-US" dirty="0"/>
-              <a:t>Introduce the differences between batch vs streaming engines in Spark</a:t>
+              <a:t>Introduce the differences between batch vs. streaming engines in Spark</a:t>
             </a:r>
           </a:p>
           <a:p>
@@ -6633,7 +6629,7 @@
           <a:p>
             <a:r>
               <a:rPr lang="en-US" dirty="0"/>
-              <a:t>Introduce the core Machine Learning models of Cluster, Regression and Classification</a:t>
+              <a:t>Introduce the core Machine Learning models of Cluster, Regression, and Classification</a:t>
             </a:r>
           </a:p>
           <a:p>
@@ -6883,11 +6879,7 @@
           <a:lstStyle/>
           <a:p>
             <a:r>
-              <a:rPr lang="en-US" dirty="0">
-                <a:highlight>
-                  <a:srgbClr val="FFFF00"/>
-                </a:highlight>
-              </a:rPr>
+              <a:rPr lang="en-US" dirty="0"/>
               <a:t>Course Contents</a:t>
             </a:r>
           </a:p>
@@ -9864,18 +9856,18 @@
 </file>
 
 <file path=customXml/item2.xml><?xml version="1.0" encoding="utf-8"?>
+<p:properties xmlns:p="http://schemas.microsoft.com/office/2006/metadata/properties" xmlns:xsi="http://www.w3.org/2001/XMLSchema-instance" xmlns:pc="http://schemas.microsoft.com/office/infopath/2007/PartnerControls">
+  <documentManagement/>
+</p:properties>
+</file>
+
+<file path=customXml/item3.xml><?xml version="1.0" encoding="utf-8"?>
 <?mso-contentType ?>
 <FormTemplates xmlns="http://schemas.microsoft.com/sharepoint/v3/contenttype/forms">
   <Display>DocumentLibraryForm</Display>
   <Edit>DocumentLibraryForm</Edit>
   <New>DocumentLibraryForm</New>
 </FormTemplates>
-</file>
-
-<file path=customXml/item3.xml><?xml version="1.0" encoding="utf-8"?>
-<p:properties xmlns:p="http://schemas.microsoft.com/office/2006/metadata/properties" xmlns:xsi="http://www.w3.org/2001/XMLSchema-instance" xmlns:pc="http://schemas.microsoft.com/office/infopath/2007/PartnerControls">
-  <documentManagement/>
-</p:properties>
 </file>
 
 <file path=customXml/itemProps1.xml><?xml version="1.0" encoding="utf-8"?>
@@ -9897,14 +9889,6 @@
 </file>
 
 <file path=customXml/itemProps2.xml><?xml version="1.0" encoding="utf-8"?>
-<ds:datastoreItem xmlns:ds="http://schemas.openxmlformats.org/officeDocument/2006/customXml" ds:itemID="{663CEE97-F6CD-47B5-990F-E903458AECB1}">
-  <ds:schemaRefs>
-    <ds:schemaRef ds:uri="http://schemas.microsoft.com/sharepoint/v3/contenttype/forms"/>
-  </ds:schemaRefs>
-</ds:datastoreItem>
-</file>
-
-<file path=customXml/itemProps3.xml><?xml version="1.0" encoding="utf-8"?>
 <ds:datastoreItem xmlns:ds="http://schemas.openxmlformats.org/officeDocument/2006/customXml" ds:itemID="{6E10E8C6-A3B5-4080-B0E3-E5B98A309E27}">
   <ds:schemaRefs>
     <ds:schemaRef ds:uri="http://schemas.microsoft.com/office/2006/documentManagement/types"/>
@@ -9918,4 +9902,12 @@
     <ds:schemaRef ds:uri="http://www.w3.org/XML/1998/namespace"/>
   </ds:schemaRefs>
 </ds:datastoreItem>
+</file>
+
+<file path=customXml/itemProps3.xml><?xml version="1.0" encoding="utf-8"?>
+<ds:datastoreItem xmlns:ds="http://schemas.openxmlformats.org/officeDocument/2006/customXml" ds:itemID="{663CEE97-F6CD-47B5-990F-E903458AECB1}">
+  <ds:schemaRefs>
+    <ds:schemaRef ds:uri="http://schemas.microsoft.com/sharepoint/v3/contenttype/forms"/>
+  </ds:schemaRefs>
+</ds:datastoreItem>
 </file>